--- a/presentation.pptx
+++ b/presentation.pptx
@@ -108,6 +108,11 @@
       </a:defRPr>
     </a:lvl9pPr>
   </p:defaultTextStyle>
+  <p:extLst>
+    <p:ext uri="{EFAFB233-063F-42B5-8137-9DF3F51BA10A}">
+      <p15:sldGuideLst xmlns:p15="http://schemas.microsoft.com/office/powerpoint/2012/main"/>
+    </p:ext>
+  </p:extLst>
 </p:presentation>
 </file>
 
@@ -258,7 +263,7 @@
           <a:p>
             <a:fld id="{483B5360-E5CB-C74D-BFB5-4260E5E6C4CB}" type="datetimeFigureOut">
               <a:rPr lang="ru-RU" smtClean="0"/>
-              <a:t>02.11.2021</a:t>
+              <a:t>13.11.2021</a:t>
             </a:fld>
             <a:endParaRPr lang="ru-RU"/>
           </a:p>
@@ -456,7 +461,7 @@
           <a:p>
             <a:fld id="{483B5360-E5CB-C74D-BFB5-4260E5E6C4CB}" type="datetimeFigureOut">
               <a:rPr lang="ru-RU" smtClean="0"/>
-              <a:t>02.11.2021</a:t>
+              <a:t>13.11.2021</a:t>
             </a:fld>
             <a:endParaRPr lang="ru-RU"/>
           </a:p>
@@ -664,7 +669,7 @@
           <a:p>
             <a:fld id="{483B5360-E5CB-C74D-BFB5-4260E5E6C4CB}" type="datetimeFigureOut">
               <a:rPr lang="ru-RU" smtClean="0"/>
-              <a:t>02.11.2021</a:t>
+              <a:t>13.11.2021</a:t>
             </a:fld>
             <a:endParaRPr lang="ru-RU"/>
           </a:p>
@@ -862,7 +867,7 @@
           <a:p>
             <a:fld id="{483B5360-E5CB-C74D-BFB5-4260E5E6C4CB}" type="datetimeFigureOut">
               <a:rPr lang="ru-RU" smtClean="0"/>
-              <a:t>02.11.2021</a:t>
+              <a:t>13.11.2021</a:t>
             </a:fld>
             <a:endParaRPr lang="ru-RU"/>
           </a:p>
@@ -1137,7 +1142,7 @@
           <a:p>
             <a:fld id="{483B5360-E5CB-C74D-BFB5-4260E5E6C4CB}" type="datetimeFigureOut">
               <a:rPr lang="ru-RU" smtClean="0"/>
-              <a:t>02.11.2021</a:t>
+              <a:t>13.11.2021</a:t>
             </a:fld>
             <a:endParaRPr lang="ru-RU"/>
           </a:p>
@@ -1402,7 +1407,7 @@
           <a:p>
             <a:fld id="{483B5360-E5CB-C74D-BFB5-4260E5E6C4CB}" type="datetimeFigureOut">
               <a:rPr lang="ru-RU" smtClean="0"/>
-              <a:t>02.11.2021</a:t>
+              <a:t>13.11.2021</a:t>
             </a:fld>
             <a:endParaRPr lang="ru-RU"/>
           </a:p>
@@ -1814,7 +1819,7 @@
           <a:p>
             <a:fld id="{483B5360-E5CB-C74D-BFB5-4260E5E6C4CB}" type="datetimeFigureOut">
               <a:rPr lang="ru-RU" smtClean="0"/>
-              <a:t>02.11.2021</a:t>
+              <a:t>13.11.2021</a:t>
             </a:fld>
             <a:endParaRPr lang="ru-RU"/>
           </a:p>
@@ -1955,7 +1960,7 @@
           <a:p>
             <a:fld id="{483B5360-E5CB-C74D-BFB5-4260E5E6C4CB}" type="datetimeFigureOut">
               <a:rPr lang="ru-RU" smtClean="0"/>
-              <a:t>02.11.2021</a:t>
+              <a:t>13.11.2021</a:t>
             </a:fld>
             <a:endParaRPr lang="ru-RU"/>
           </a:p>
@@ -2068,7 +2073,7 @@
           <a:p>
             <a:fld id="{483B5360-E5CB-C74D-BFB5-4260E5E6C4CB}" type="datetimeFigureOut">
               <a:rPr lang="ru-RU" smtClean="0"/>
-              <a:t>02.11.2021</a:t>
+              <a:t>13.11.2021</a:t>
             </a:fld>
             <a:endParaRPr lang="ru-RU"/>
           </a:p>
@@ -2379,7 +2384,7 @@
           <a:p>
             <a:fld id="{483B5360-E5CB-C74D-BFB5-4260E5E6C4CB}" type="datetimeFigureOut">
               <a:rPr lang="ru-RU" smtClean="0"/>
-              <a:t>02.11.2021</a:t>
+              <a:t>13.11.2021</a:t>
             </a:fld>
             <a:endParaRPr lang="ru-RU"/>
           </a:p>
@@ -2667,7 +2672,7 @@
           <a:p>
             <a:fld id="{483B5360-E5CB-C74D-BFB5-4260E5E6C4CB}" type="datetimeFigureOut">
               <a:rPr lang="ru-RU" smtClean="0"/>
-              <a:t>02.11.2021</a:t>
+              <a:t>13.11.2021</a:t>
             </a:fld>
             <a:endParaRPr lang="ru-RU"/>
           </a:p>
@@ -2908,7 +2913,7 @@
           <a:p>
             <a:fld id="{483B5360-E5CB-C74D-BFB5-4260E5E6C4CB}" type="datetimeFigureOut">
               <a:rPr lang="ru-RU" smtClean="0"/>
-              <a:t>02.11.2021</a:t>
+              <a:t>13.11.2021</a:t>
             </a:fld>
             <a:endParaRPr lang="ru-RU"/>
           </a:p>
@@ -4115,7 +4120,12 @@
             <p:ph idx="1"/>
           </p:nvPr>
         </p:nvSpPr>
-        <p:spPr/>
+        <p:spPr>
+          <a:xfrm>
+            <a:off x="813460" y="1800885"/>
+            <a:ext cx="10515600" cy="4351338"/>
+          </a:xfrm>
+        </p:spPr>
         <p:txBody>
           <a:bodyPr/>
           <a:lstStyle/>
@@ -4128,16 +4138,31 @@
           <a:p>
             <a:r>
               <a:rPr lang="ru-RU" dirty="0"/>
-              <a:t>При изменении управления в настройках в меню помощи данных</a:t>
-            </a:r>
-          </a:p>
-          <a:p>
-            <a:pPr marL="0" indent="0">
-              <a:buNone/>
-            </a:pPr>
+              <a:t>При изменении управления </a:t>
+            </a:r>
+            <a:r>
+              <a:rPr lang="ru-RU"/>
+              <a:t>в настройках, </a:t>
+            </a:r>
             <a:r>
               <a:rPr lang="ru-RU" dirty="0"/>
-              <a:t>   согласуются с выбранными в настройках</a:t>
+              <a:t>в меню </a:t>
+            </a:r>
+            <a:r>
+              <a:rPr lang="ru-RU"/>
+              <a:t>помощи данные</a:t>
+            </a:r>
+            <a:r>
+              <a:rPr lang="ru-RU" dirty="0"/>
+              <a:t> </a:t>
+            </a:r>
+            <a:r>
+              <a:rPr lang="ru-RU"/>
+              <a:t>согласуются </a:t>
+            </a:r>
+            <a:r>
+              <a:rPr lang="ru-RU" dirty="0"/>
+              <a:t>с выбранными в настройках</a:t>
             </a:r>
           </a:p>
         </p:txBody>
